--- a/Docs/제안서_EDUM.pptx
+++ b/Docs/제안서_EDUM.pptx
@@ -5,16 +5,17 @@
     <p:sldMasterId id="2147483648" r:id="rId1"/>
   </p:sldMasterIdLst>
   <p:notesMasterIdLst>
-    <p:notesMasterId r:id="rId9"/>
+    <p:notesMasterId r:id="rId10"/>
   </p:notesMasterIdLst>
   <p:sldIdLst>
     <p:sldId id="256" r:id="rId2"/>
     <p:sldId id="265" r:id="rId3"/>
     <p:sldId id="262" r:id="rId4"/>
     <p:sldId id="270" r:id="rId5"/>
-    <p:sldId id="271" r:id="rId6"/>
-    <p:sldId id="273" r:id="rId7"/>
-    <p:sldId id="260" r:id="rId8"/>
+    <p:sldId id="274" r:id="rId6"/>
+    <p:sldId id="271" r:id="rId7"/>
+    <p:sldId id="273" r:id="rId8"/>
+    <p:sldId id="260" r:id="rId9"/>
   </p:sldIdLst>
   <p:sldSz cx="12192000" cy="6858000"/>
   <p:notesSz cx="6858000" cy="9144000"/>
@@ -3849,7 +3850,7 @@
         </p:nvGrpSpPr>
         <p:grpSpPr>
           <a:xfrm>
-            <a:off x="4601799" y="3007870"/>
+            <a:off x="3431406" y="3007870"/>
             <a:ext cx="1170393" cy="1170393"/>
             <a:chOff x="3865314" y="1566605"/>
             <a:chExt cx="1426531" cy="1426531"/>
@@ -3958,7 +3959,7 @@
         </p:nvSpPr>
         <p:spPr>
           <a:xfrm rot="10800000">
-            <a:off x="3504339" y="2966314"/>
+            <a:off x="2333946" y="2966314"/>
             <a:ext cx="1174125" cy="1174125"/>
           </a:xfrm>
           <a:prstGeom prst="teardrop">
@@ -4050,7 +4051,7 @@
         </p:nvSpPr>
         <p:spPr>
           <a:xfrm>
-            <a:off x="3490259" y="3266473"/>
+            <a:off x="2319866" y="3266473"/>
             <a:ext cx="1733551" cy="523220"/>
           </a:xfrm>
           <a:prstGeom prst="rect">
@@ -4119,7 +4120,7 @@
         </p:nvSpPr>
         <p:spPr>
           <a:xfrm>
-            <a:off x="4678464" y="3266473"/>
+            <a:off x="3548136" y="3266473"/>
             <a:ext cx="1733551" cy="453586"/>
           </a:xfrm>
           <a:prstGeom prst="rect">
@@ -4215,7 +4216,7 @@
                 <a:ea typeface="+mj-ea"/>
                 <a:cs typeface="Open Sans Light" panose="020B0306030504020204" pitchFamily="34" charset="0"/>
               </a:rPr>
-              <a:t>4. </a:t>
+              <a:t>5. </a:t>
             </a:r>
             <a:r>
               <a:rPr lang="ko-KR" altLang="en-US" sz="1400" dirty="0">
@@ -4252,7 +4253,7 @@
         <p:spPr>
           <a:xfrm>
             <a:off x="8040140" y="3266473"/>
-            <a:ext cx="1733551" cy="454676"/>
+            <a:ext cx="1733551" cy="523220"/>
           </a:xfrm>
           <a:prstGeom prst="rect">
             <a:avLst/>
@@ -4281,7 +4282,7 @@
                 <a:ea typeface="+mj-ea"/>
                 <a:cs typeface="Open Sans Light" panose="020B0306030504020204" pitchFamily="34" charset="0"/>
               </a:rPr>
-              <a:t>5. Q&amp;A</a:t>
+              <a:t>6. Q&amp;A</a:t>
             </a:r>
           </a:p>
         </p:txBody>
@@ -4294,7 +4295,7 @@
         </p:nvGrpSpPr>
         <p:grpSpPr>
           <a:xfrm>
-            <a:off x="5701875" y="2976968"/>
+            <a:off x="4601799" y="2976968"/>
             <a:ext cx="1170393" cy="1170393"/>
             <a:chOff x="3865314" y="1566605"/>
             <a:chExt cx="1426531" cy="1426531"/>
@@ -4403,8 +4404,8 @@
         </p:nvSpPr>
         <p:spPr>
           <a:xfrm>
-            <a:off x="5685645" y="3238281"/>
-            <a:ext cx="1733551" cy="523220"/>
+            <a:off x="4620412" y="3238281"/>
+            <a:ext cx="1733551" cy="453650"/>
           </a:xfrm>
           <a:prstGeom prst="rect">
             <a:avLst/>
@@ -4434,6 +4435,181 @@
                 <a:cs typeface="Open Sans Light" panose="020B0306030504020204" pitchFamily="34" charset="0"/>
               </a:rPr>
               <a:t>3. </a:t>
+            </a:r>
+            <a:r>
+              <a:rPr lang="ko-KR" altLang="en-US" sz="1400" dirty="0">
+                <a:solidFill>
+                  <a:schemeClr val="bg1">
+                    <a:lumMod val="50000"/>
+                  </a:schemeClr>
+                </a:solidFill>
+                <a:latin typeface="+mj-ea"/>
+                <a:ea typeface="+mj-ea"/>
+                <a:cs typeface="Open Sans Light" panose="020B0306030504020204" pitchFamily="34" charset="0"/>
+              </a:rPr>
+              <a:t>핵심 기술</a:t>
+            </a:r>
+            <a:endParaRPr lang="en-US" altLang="ko-KR" sz="1400" dirty="0">
+              <a:solidFill>
+                <a:schemeClr val="bg1">
+                  <a:lumMod val="50000"/>
+                </a:schemeClr>
+              </a:solidFill>
+              <a:latin typeface="+mj-ea"/>
+              <a:ea typeface="+mj-ea"/>
+              <a:cs typeface="Open Sans Light" panose="020B0306030504020204" pitchFamily="34" charset="0"/>
+            </a:endParaRPr>
+          </a:p>
+        </p:txBody>
+      </p:sp>
+      <p:grpSp>
+        <p:nvGrpSpPr>
+          <p:cNvPr id="23" name="Group 5"/>
+          <p:cNvGrpSpPr/>
+          <p:nvPr/>
+        </p:nvGrpSpPr>
+        <p:grpSpPr>
+          <a:xfrm>
+            <a:off x="5721570" y="2976968"/>
+            <a:ext cx="1170393" cy="1170393"/>
+            <a:chOff x="3865314" y="1566605"/>
+            <a:chExt cx="1426531" cy="1426531"/>
+          </a:xfrm>
+        </p:grpSpPr>
+        <p:sp>
+          <p:nvSpPr>
+            <p:cNvPr id="27" name="Oval 6"/>
+            <p:cNvSpPr/>
+            <p:nvPr/>
+          </p:nvSpPr>
+          <p:spPr>
+            <a:xfrm>
+              <a:off x="3865314" y="1566605"/>
+              <a:ext cx="1426531" cy="1426531"/>
+            </a:xfrm>
+            <a:prstGeom prst="ellipse">
+              <a:avLst/>
+            </a:prstGeom>
+            <a:solidFill>
+              <a:schemeClr val="bg1">
+                <a:lumMod val="95000"/>
+              </a:schemeClr>
+            </a:solidFill>
+            <a:ln w="117475">
+              <a:noFill/>
+            </a:ln>
+          </p:spPr>
+          <p:style>
+            <a:lnRef idx="2">
+              <a:schemeClr val="accent1">
+                <a:shade val="50000"/>
+              </a:schemeClr>
+            </a:lnRef>
+            <a:fillRef idx="1">
+              <a:schemeClr val="accent1"/>
+            </a:fillRef>
+            <a:effectRef idx="0">
+              <a:schemeClr val="accent1"/>
+            </a:effectRef>
+            <a:fontRef idx="minor">
+              <a:schemeClr val="lt1"/>
+            </a:fontRef>
+          </p:style>
+          <p:txBody>
+            <a:bodyPr rtlCol="0" anchor="ctr"/>
+            <a:lstStyle/>
+            <a:p>
+              <a:pPr algn="ctr"/>
+              <a:endParaRPr lang="bg-BG" sz="1013"/>
+            </a:p>
+          </p:txBody>
+        </p:sp>
+        <p:sp>
+          <p:nvSpPr>
+            <p:cNvPr id="28" name="Oval 7"/>
+            <p:cNvSpPr/>
+            <p:nvPr/>
+          </p:nvSpPr>
+          <p:spPr>
+            <a:xfrm>
+              <a:off x="4007590" y="1708881"/>
+              <a:ext cx="1141979" cy="1141979"/>
+            </a:xfrm>
+            <a:prstGeom prst="ellipse">
+              <a:avLst/>
+            </a:prstGeom>
+            <a:solidFill>
+              <a:schemeClr val="bg1"/>
+            </a:solidFill>
+            <a:ln>
+              <a:noFill/>
+            </a:ln>
+          </p:spPr>
+          <p:style>
+            <a:lnRef idx="2">
+              <a:schemeClr val="accent1">
+                <a:shade val="50000"/>
+              </a:schemeClr>
+            </a:lnRef>
+            <a:fillRef idx="1">
+              <a:schemeClr val="accent1"/>
+            </a:fillRef>
+            <a:effectRef idx="0">
+              <a:schemeClr val="accent1"/>
+            </a:effectRef>
+            <a:fontRef idx="minor">
+              <a:schemeClr val="lt1"/>
+            </a:fontRef>
+          </p:style>
+          <p:txBody>
+            <a:bodyPr rtlCol="0" anchor="ctr"/>
+            <a:lstStyle/>
+            <a:p>
+              <a:pPr algn="ctr"/>
+              <a:endParaRPr lang="bg-BG" sz="1013"/>
+            </a:p>
+          </p:txBody>
+        </p:sp>
+      </p:grpSp>
+      <p:sp>
+        <p:nvSpPr>
+          <p:cNvPr id="29" name="TextBox 28"/>
+          <p:cNvSpPr txBox="1"/>
+          <p:nvPr/>
+        </p:nvSpPr>
+        <p:spPr>
+          <a:xfrm>
+            <a:off x="5705340" y="3238281"/>
+            <a:ext cx="1733551" cy="523220"/>
+          </a:xfrm>
+          <a:prstGeom prst="rect">
+            <a:avLst/>
+          </a:prstGeom>
+          <a:noFill/>
+        </p:spPr>
+        <p:txBody>
+          <a:bodyPr wrap="square" rtlCol="0">
+            <a:spAutoFit/>
+          </a:bodyPr>
+          <a:lstStyle/>
+          <a:p>
+            <a:pPr algn="just">
+              <a:lnSpc>
+                <a:spcPct val="200000"/>
+              </a:lnSpc>
+            </a:pPr>
+            <a:r>
+              <a:rPr lang="en-US" altLang="ko-KR" sz="1400" dirty="0">
+                <a:solidFill>
+                  <a:schemeClr val="bg1">
+                    <a:lumMod val="50000"/>
+                  </a:schemeClr>
+                </a:solidFill>
+                <a:latin typeface="+mj-ea"/>
+                <a:ea typeface="+mj-ea"/>
+                <a:cs typeface="Open Sans Light" panose="020B0306030504020204" pitchFamily="34" charset="0"/>
+              </a:rPr>
+              <a:t>4. </a:t>
             </a:r>
             <a:r>
               <a:rPr lang="ko-KR" altLang="en-US" sz="1400" dirty="0">
@@ -4669,7 +4845,7 @@
         <p:spPr>
           <a:xfrm>
             <a:off x="942975" y="1571822"/>
-            <a:ext cx="10239375" cy="892552"/>
+            <a:ext cx="10239375" cy="1631216"/>
           </a:xfrm>
           <a:prstGeom prst="rect">
             <a:avLst/>
@@ -4722,21 +4898,7 @@
                 <a:latin typeface="맑은 고딕" panose="020B0503020000020004" pitchFamily="50" charset="-127"/>
                 <a:ea typeface="맑은 고딕" panose="020B0503020000020004" pitchFamily="50" charset="-127"/>
               </a:rPr>
-              <a:t>객체 인식 모델을 통해 실시간으로 </a:t>
-            </a:r>
-            <a:r>
-              <a:rPr lang="en-US" altLang="ko-KR" sz="1600" dirty="0">
-                <a:latin typeface="맑은 고딕" panose="020B0503020000020004" pitchFamily="50" charset="-127"/>
-                <a:ea typeface="맑은 고딕" panose="020B0503020000020004" pitchFamily="50" charset="-127"/>
-              </a:rPr>
-              <a:t>CCTV </a:t>
-            </a:r>
-            <a:r>
-              <a:rPr lang="ko-KR" altLang="en-US" sz="1600" dirty="0">
-                <a:latin typeface="맑은 고딕" panose="020B0503020000020004" pitchFamily="50" charset="-127"/>
-                <a:ea typeface="맑은 고딕" panose="020B0503020000020004" pitchFamily="50" charset="-127"/>
-              </a:rPr>
-              <a:t>속 </a:t>
+              <a:t>객체 인식 모델을 이용</a:t>
             </a:r>
             <a:endParaRPr lang="en-US" altLang="ko-KR" sz="1600" dirty="0">
               <a:latin typeface="맑은 고딕" panose="020B0503020000020004" pitchFamily="50" charset="-127"/>
@@ -4750,14 +4912,146 @@
                 <a:latin typeface="맑은 고딕" panose="020B0503020000020004" pitchFamily="50" charset="-127"/>
                 <a:ea typeface="맑은 고딕" panose="020B0503020000020004" pitchFamily="50" charset="-127"/>
               </a:rPr>
-              <a:t>     </a:t>
+              <a:t>   </a:t>
+            </a:r>
+            <a:r>
+              <a:rPr lang="en-US" altLang="ko-KR" sz="1600" b="1" dirty="0">
+                <a:latin typeface="맑은 고딕" panose="020B0503020000020004" pitchFamily="50" charset="-127"/>
+                <a:ea typeface="맑은 고딕" panose="020B0503020000020004" pitchFamily="50" charset="-127"/>
+              </a:rPr>
+              <a:t>-</a:t>
             </a:r>
             <a:r>
               <a:rPr lang="ko-KR" altLang="en-US" sz="1600" dirty="0">
                 <a:latin typeface="맑은 고딕" panose="020B0503020000020004" pitchFamily="50" charset="-127"/>
                 <a:ea typeface="맑은 고딕" panose="020B0503020000020004" pitchFamily="50" charset="-127"/>
               </a:rPr>
-              <a:t>객체들의 상태를 판단하고 쓰러져 있는 객체의 상태가 일정 시간 이상 지속될 경우 알림 발생</a:t>
+              <a:t> 실시간으로 </a:t>
+            </a:r>
+            <a:r>
+              <a:rPr lang="en-US" altLang="ko-KR" sz="1600" dirty="0">
+                <a:latin typeface="맑은 고딕" panose="020B0503020000020004" pitchFamily="50" charset="-127"/>
+                <a:ea typeface="맑은 고딕" panose="020B0503020000020004" pitchFamily="50" charset="-127"/>
+              </a:rPr>
+              <a:t>CCTV </a:t>
+            </a:r>
+            <a:r>
+              <a:rPr lang="ko-KR" altLang="en-US" sz="1600" dirty="0">
+                <a:latin typeface="맑은 고딕" panose="020B0503020000020004" pitchFamily="50" charset="-127"/>
+                <a:ea typeface="맑은 고딕" panose="020B0503020000020004" pitchFamily="50" charset="-127"/>
+              </a:rPr>
+              <a:t>속 객체들의 상태를 판단하고 응급 상황 시 알림 발생</a:t>
+            </a:r>
+            <a:endParaRPr lang="en-US" altLang="ko-KR" sz="1600" dirty="0">
+              <a:latin typeface="맑은 고딕" panose="020B0503020000020004" pitchFamily="50" charset="-127"/>
+              <a:ea typeface="맑은 고딕" panose="020B0503020000020004" pitchFamily="50" charset="-127"/>
+            </a:endParaRPr>
+          </a:p>
+          <a:p>
+            <a:pPr fontAlgn="base" latinLnBrk="0"/>
+            <a:r>
+              <a:rPr lang="en-US" altLang="ko-KR" sz="1600" b="1" dirty="0">
+                <a:latin typeface="맑은 고딕" panose="020B0503020000020004" pitchFamily="50" charset="-127"/>
+                <a:ea typeface="맑은 고딕" panose="020B0503020000020004" pitchFamily="50" charset="-127"/>
+              </a:rPr>
+              <a:t>   -</a:t>
+            </a:r>
+            <a:r>
+              <a:rPr lang="ko-KR" altLang="en-US" sz="1600" dirty="0">
+                <a:latin typeface="맑은 고딕" panose="020B0503020000020004" pitchFamily="50" charset="-127"/>
+                <a:ea typeface="맑은 고딕" panose="020B0503020000020004" pitchFamily="50" charset="-127"/>
+              </a:rPr>
+              <a:t> 응급 상황</a:t>
+            </a:r>
+            <a:endParaRPr lang="en-US" altLang="ko-KR" sz="1600" dirty="0">
+              <a:latin typeface="맑은 고딕" panose="020B0503020000020004" pitchFamily="50" charset="-127"/>
+              <a:ea typeface="맑은 고딕" panose="020B0503020000020004" pitchFamily="50" charset="-127"/>
+            </a:endParaRPr>
+          </a:p>
+          <a:p>
+            <a:pPr marL="742950" lvl="1" indent="-285750" fontAlgn="base" latinLnBrk="0">
+              <a:buFont typeface="Wingdings" pitchFamily="2" charset="2"/>
+              <a:buChar char="§"/>
+            </a:pPr>
+            <a:r>
+              <a:rPr lang="ko-KR" altLang="en-US" sz="1600" dirty="0">
+                <a:latin typeface="맑은 고딕" panose="020B0503020000020004" pitchFamily="50" charset="-127"/>
+                <a:ea typeface="맑은 고딕" panose="020B0503020000020004" pitchFamily="50" charset="-127"/>
+              </a:rPr>
+              <a:t>객체의 상태가 일정 시간 이상 지속될 경우</a:t>
+            </a:r>
+            <a:endParaRPr lang="en-US" altLang="ko-KR" sz="1600" dirty="0">
+              <a:latin typeface="맑은 고딕" panose="020B0503020000020004" pitchFamily="50" charset="-127"/>
+              <a:ea typeface="맑은 고딕" panose="020B0503020000020004" pitchFamily="50" charset="-127"/>
+            </a:endParaRPr>
+          </a:p>
+          <a:p>
+            <a:pPr marL="742950" lvl="1" indent="-285750" fontAlgn="base" latinLnBrk="0">
+              <a:buFont typeface="Wingdings" pitchFamily="2" charset="2"/>
+              <a:buChar char="§"/>
+            </a:pPr>
+            <a:r>
+              <a:rPr lang="ko-KR" altLang="en-US" sz="1600" dirty="0">
+                <a:latin typeface="맑은 고딕" panose="020B0503020000020004" pitchFamily="50" charset="-127"/>
+                <a:ea typeface="맑은 고딕" panose="020B0503020000020004" pitchFamily="50" charset="-127"/>
+              </a:rPr>
+              <a:t>흉기</a:t>
+            </a:r>
+            <a:r>
+              <a:rPr lang="en-US" altLang="ko-KR" sz="1600" dirty="0">
+                <a:latin typeface="맑은 고딕" panose="020B0503020000020004" pitchFamily="50" charset="-127"/>
+                <a:ea typeface="맑은 고딕" panose="020B0503020000020004" pitchFamily="50" charset="-127"/>
+              </a:rPr>
+              <a:t>(</a:t>
+            </a:r>
+            <a:r>
+              <a:rPr lang="ko-KR" altLang="en-US" sz="1600" dirty="0">
+                <a:latin typeface="맑은 고딕" panose="020B0503020000020004" pitchFamily="50" charset="-127"/>
+                <a:ea typeface="맑은 고딕" panose="020B0503020000020004" pitchFamily="50" charset="-127"/>
+              </a:rPr>
+              <a:t>총포</a:t>
+            </a:r>
+            <a:r>
+              <a:rPr lang="en-US" altLang="ko-KR" sz="1600" dirty="0">
+                <a:latin typeface="맑은 고딕" panose="020B0503020000020004" pitchFamily="50" charset="-127"/>
+                <a:ea typeface="맑은 고딕" panose="020B0503020000020004" pitchFamily="50" charset="-127"/>
+              </a:rPr>
+              <a:t>, </a:t>
+            </a:r>
+            <a:r>
+              <a:rPr lang="ko-KR" altLang="en-US" sz="1600" dirty="0">
+                <a:latin typeface="맑은 고딕" panose="020B0503020000020004" pitchFamily="50" charset="-127"/>
+                <a:ea typeface="맑은 고딕" panose="020B0503020000020004" pitchFamily="50" charset="-127"/>
+              </a:rPr>
+              <a:t>도검</a:t>
+            </a:r>
+            <a:r>
+              <a:rPr lang="en-US" altLang="ko-KR" sz="1600" dirty="0">
+                <a:latin typeface="맑은 고딕" panose="020B0503020000020004" pitchFamily="50" charset="-127"/>
+                <a:ea typeface="맑은 고딕" panose="020B0503020000020004" pitchFamily="50" charset="-127"/>
+              </a:rPr>
+              <a:t>, </a:t>
+            </a:r>
+            <a:r>
+              <a:rPr lang="ko-KR" altLang="en-US" sz="1600" dirty="0">
+                <a:latin typeface="맑은 고딕" panose="020B0503020000020004" pitchFamily="50" charset="-127"/>
+                <a:ea typeface="맑은 고딕" panose="020B0503020000020004" pitchFamily="50" charset="-127"/>
+              </a:rPr>
+              <a:t>분사기 등</a:t>
+            </a:r>
+            <a:r>
+              <a:rPr lang="en-US" altLang="ko-KR" sz="1600" dirty="0">
+                <a:latin typeface="맑은 고딕" panose="020B0503020000020004" pitchFamily="50" charset="-127"/>
+                <a:ea typeface="맑은 고딕" panose="020B0503020000020004" pitchFamily="50" charset="-127"/>
+              </a:rPr>
+              <a:t>)</a:t>
+            </a:r>
+            <a:r>
+              <a:rPr lang="ko-KR" altLang="en-US" sz="1600" dirty="0">
+                <a:latin typeface="맑은 고딕" panose="020B0503020000020004" pitchFamily="50" charset="-127"/>
+                <a:ea typeface="맑은 고딕" panose="020B0503020000020004" pitchFamily="50" charset="-127"/>
+              </a:rPr>
+              <a:t>가 인식될 경우</a:t>
             </a:r>
           </a:p>
         </p:txBody>
@@ -4770,7 +5064,7 @@
         </p:nvSpPr>
         <p:spPr>
           <a:xfrm>
-            <a:off x="7880520" y="2715110"/>
+            <a:off x="7880520" y="3418495"/>
             <a:ext cx="2471351" cy="2677295"/>
           </a:xfrm>
           <a:prstGeom prst="roundRect">
@@ -4837,7 +5131,7 @@
         </p:nvSpPr>
         <p:spPr>
           <a:xfrm>
-            <a:off x="1367482" y="2715107"/>
+            <a:off x="1367482" y="3418492"/>
             <a:ext cx="2471351" cy="2677298"/>
           </a:xfrm>
           <a:prstGeom prst="roundRect">
@@ -4898,7 +5192,7 @@
         </p:nvSpPr>
         <p:spPr>
           <a:xfrm>
-            <a:off x="4624001" y="2715107"/>
+            <a:off x="4624001" y="3418492"/>
             <a:ext cx="2471351" cy="2677295"/>
           </a:xfrm>
           <a:prstGeom prst="roundRect">
@@ -5353,7 +5647,7 @@
                 </a:solidFill>
                 <a:latin typeface="+mj-ea"/>
               </a:rPr>
-              <a:t>제품 강점</a:t>
+              <a:t>핵심기술</a:t>
             </a:r>
             <a:endParaRPr lang="en-US" sz="2200" b="1" dirty="0">
               <a:solidFill>
@@ -5403,14 +5697,14 @@
       </p:cxnSp>
       <p:sp>
         <p:nvSpPr>
-          <p:cNvPr id="9" name="TextBox 8"/>
+          <p:cNvPr id="2" name="TextBox 1"/>
           <p:cNvSpPr txBox="1"/>
           <p:nvPr/>
         </p:nvSpPr>
         <p:spPr>
           <a:xfrm>
-            <a:off x="1071418" y="1745673"/>
-            <a:ext cx="10224655" cy="4031873"/>
+            <a:off x="567407" y="1582505"/>
+            <a:ext cx="10829311" cy="2516073"/>
           </a:xfrm>
           <a:prstGeom prst="rect">
             <a:avLst/>
@@ -5418,6 +5712,521 @@
           <a:noFill/>
         </p:spPr>
         <p:txBody>
+          <a:bodyPr wrap="none" rtlCol="0">
+            <a:spAutoFit/>
+          </a:bodyPr>
+          <a:lstStyle/>
+          <a:p>
+            <a:pPr marL="285750" indent="-285750">
+              <a:buFont typeface="Arial" pitchFamily="34" charset="0"/>
+              <a:buChar char="•"/>
+            </a:pPr>
+            <a:r>
+              <a:rPr lang="en-US" altLang="ko-KR" sz="1750" b="1" dirty="0"/>
+              <a:t>YOLO (You Only Look Once) : Unified, Real-Time Object Detection </a:t>
+            </a:r>
+          </a:p>
+          <a:p>
+            <a:r>
+              <a:rPr lang="en-US" altLang="ko-KR" sz="1750" dirty="0"/>
+              <a:t> - </a:t>
+            </a:r>
+            <a:r>
+              <a:rPr lang="ko-KR" altLang="en-US" sz="1750" dirty="0"/>
+              <a:t>기존의 </a:t>
+            </a:r>
+            <a:r>
+              <a:rPr lang="ko-KR" altLang="en-US" sz="1750" dirty="0" err="1"/>
+              <a:t>딥러닝</a:t>
+            </a:r>
+            <a:r>
+              <a:rPr lang="ko-KR" altLang="en-US" sz="1750" dirty="0"/>
+              <a:t> 객체 인식 알고리즘인 </a:t>
+            </a:r>
+            <a:r>
+              <a:rPr lang="en-US" altLang="ko-KR" sz="1750" dirty="0"/>
+              <a:t>Faster R-CNN(Region-Convolution Neural Network)</a:t>
+            </a:r>
+            <a:r>
+              <a:rPr lang="ko-KR" altLang="en-US" sz="1750" dirty="0"/>
+              <a:t> 보다 </a:t>
+            </a:r>
+            <a:endParaRPr lang="en-US" altLang="ko-KR" sz="1750" dirty="0"/>
+          </a:p>
+          <a:p>
+            <a:r>
+              <a:rPr lang="ko-KR" altLang="en-US" sz="1750" dirty="0"/>
+              <a:t>   효율적인 학습 방식이며 동시에 월등히 빠른 속도의 알고리즘</a:t>
+            </a:r>
+            <a:endParaRPr lang="en-US" altLang="ko-KR" sz="1750" dirty="0"/>
+          </a:p>
+          <a:p>
+            <a:pPr marL="285750" indent="-285750">
+              <a:buFont typeface="Arial" pitchFamily="34" charset="0"/>
+              <a:buChar char="•"/>
+            </a:pPr>
+            <a:r>
+              <a:rPr lang="ko-KR" altLang="en-US" sz="1750" dirty="0"/>
+              <a:t>총 세 가지의 객체 인식 방식</a:t>
+            </a:r>
+            <a:endParaRPr lang="en-US" altLang="ko-KR" sz="1750" dirty="0"/>
+          </a:p>
+          <a:p>
+            <a:r>
+              <a:rPr lang="en-US" altLang="ko-KR" sz="1750" dirty="0"/>
+              <a:t> - </a:t>
+            </a:r>
+            <a:r>
+              <a:rPr lang="ko-KR" altLang="en-US" sz="1750" dirty="0"/>
+              <a:t>속도</a:t>
+            </a:r>
+            <a:r>
+              <a:rPr lang="en-US" altLang="ko-KR" sz="1750" dirty="0"/>
+              <a:t>: Selective search &lt;&lt;&lt; Edge boxes &lt; grids</a:t>
+            </a:r>
+          </a:p>
+          <a:p>
+            <a:r>
+              <a:rPr lang="en-US" altLang="ko-KR" sz="1750" dirty="0"/>
+              <a:t> - </a:t>
+            </a:r>
+            <a:r>
+              <a:rPr lang="ko-KR" altLang="en-US" sz="1750" dirty="0"/>
+              <a:t>비용</a:t>
+            </a:r>
+            <a:r>
+              <a:rPr lang="en-US" altLang="ko-KR" sz="1750" dirty="0"/>
+              <a:t>: Selective search &amp; Edge boxes &gt;&gt;&gt;&gt; grids</a:t>
+            </a:r>
+          </a:p>
+          <a:p>
+            <a:r>
+              <a:rPr lang="en-US" altLang="ko-KR" sz="1750" dirty="0"/>
+              <a:t> - R-CNN</a:t>
+            </a:r>
+            <a:r>
+              <a:rPr lang="ko-KR" altLang="en-US" sz="1750" dirty="0"/>
+              <a:t>은 </a:t>
+            </a:r>
+            <a:r>
+              <a:rPr lang="en-US" altLang="ko-KR" sz="1750" dirty="0"/>
+              <a:t>Edge Boxes</a:t>
+            </a:r>
+            <a:r>
+              <a:rPr lang="ko-KR" altLang="en-US" sz="1750" dirty="0"/>
+              <a:t> 방식과 스타일이 유사</a:t>
+            </a:r>
+            <a:r>
+              <a:rPr lang="en-US" altLang="ko-KR" sz="1750" dirty="0"/>
+              <a:t>, YOLO</a:t>
+            </a:r>
+            <a:r>
+              <a:rPr lang="ko-KR" altLang="en-US" sz="1750" dirty="0"/>
+              <a:t>는 실시간 객체 인식에 적용이 가능하도록 가장 빠른</a:t>
+            </a:r>
+            <a:endParaRPr lang="en-US" altLang="ko-KR" sz="1750" dirty="0"/>
+          </a:p>
+          <a:p>
+            <a:r>
+              <a:rPr lang="ko-KR" altLang="en-US" sz="1750" dirty="0"/>
+              <a:t>   방식인 </a:t>
+            </a:r>
+            <a:r>
+              <a:rPr lang="en-US" altLang="ko-KR" sz="1750" dirty="0"/>
+              <a:t>grids </a:t>
+            </a:r>
+            <a:r>
+              <a:rPr lang="ko-KR" altLang="en-US" sz="1750" dirty="0"/>
+              <a:t>방식을 발전시킨 알고리즘</a:t>
+            </a:r>
+            <a:r>
+              <a:rPr lang="en-US" altLang="ko-KR" sz="1750" dirty="0"/>
+              <a:t>.</a:t>
+            </a:r>
+          </a:p>
+          <a:p>
+            <a:pPr marL="285750" indent="-285750">
+              <a:buFont typeface="Arial" pitchFamily="34" charset="0"/>
+              <a:buChar char="•"/>
+            </a:pPr>
+            <a:endParaRPr lang="en-US" altLang="ko-KR" sz="1750" dirty="0"/>
+          </a:p>
+        </p:txBody>
+      </p:sp>
+      <p:pic>
+        <p:nvPicPr>
+          <p:cNvPr id="1027" name="Picture 3"/>
+          <p:cNvPicPr>
+            <a:picLocks noChangeAspect="1" noChangeArrowheads="1"/>
+          </p:cNvPicPr>
+          <p:nvPr/>
+        </p:nvPicPr>
+        <p:blipFill>
+          <a:blip r:embed="rId3">
+            <a:extLst>
+              <a:ext uri="{28A0092B-C50C-407E-A947-70E740481C1C}">
+                <a14:useLocalDpi xmlns:a14="http://schemas.microsoft.com/office/drawing/2010/main" val="0"/>
+              </a:ext>
+            </a:extLst>
+          </a:blip>
+          <a:srcRect/>
+          <a:stretch>
+            <a:fillRect/>
+          </a:stretch>
+        </p:blipFill>
+        <p:spPr bwMode="auto">
+          <a:xfrm>
+            <a:off x="1944145" y="3885589"/>
+            <a:ext cx="3941523" cy="2462627"/>
+          </a:xfrm>
+          <a:prstGeom prst="rect">
+            <a:avLst/>
+          </a:prstGeom>
+          <a:noFill/>
+          <a:ln>
+            <a:noFill/>
+          </a:ln>
+          <a:effectLst/>
+          <a:extLst>
+            <a:ext uri="{909E8E84-426E-40DD-AFC4-6F175D3DCCD1}">
+              <a14:hiddenFill xmlns:a14="http://schemas.microsoft.com/office/drawing/2010/main">
+                <a:solidFill>
+                  <a:schemeClr val="accent1"/>
+                </a:solidFill>
+              </a14:hiddenFill>
+            </a:ext>
+            <a:ext uri="{91240B29-F687-4F45-9708-019B960494DF}">
+              <a14:hiddenLine xmlns:a14="http://schemas.microsoft.com/office/drawing/2010/main" w="9525">
+                <a:solidFill>
+                  <a:schemeClr val="tx1"/>
+                </a:solidFill>
+                <a:miter lim="800000"/>
+                <a:headEnd/>
+                <a:tailEnd/>
+              </a14:hiddenLine>
+            </a:ext>
+            <a:ext uri="{AF507438-7753-43E0-B8FC-AC1667EBCBE1}">
+              <a14:hiddenEffects xmlns:a14="http://schemas.microsoft.com/office/drawing/2010/main">
+                <a:effectLst>
+                  <a:outerShdw dist="35921" dir="2700000" algn="ctr" rotWithShape="0">
+                    <a:schemeClr val="bg2"/>
+                  </a:outerShdw>
+                </a:effectLst>
+              </a14:hiddenEffects>
+            </a:ext>
+          </a:extLst>
+        </p:spPr>
+      </p:pic>
+      <p:pic>
+        <p:nvPicPr>
+          <p:cNvPr id="11" name="Picture 2"/>
+          <p:cNvPicPr>
+            <a:picLocks noChangeAspect="1" noChangeArrowheads="1"/>
+          </p:cNvPicPr>
+          <p:nvPr/>
+        </p:nvPicPr>
+        <p:blipFill>
+          <a:blip r:embed="rId4" cstate="print">
+            <a:extLst>
+              <a:ext uri="{28A0092B-C50C-407E-A947-70E740481C1C}">
+                <a14:useLocalDpi xmlns:a14="http://schemas.microsoft.com/office/drawing/2010/main" val="0"/>
+              </a:ext>
+            </a:extLst>
+          </a:blip>
+          <a:srcRect/>
+          <a:stretch>
+            <a:fillRect/>
+          </a:stretch>
+        </p:blipFill>
+        <p:spPr bwMode="auto">
+          <a:xfrm>
+            <a:off x="6306334" y="3885589"/>
+            <a:ext cx="3647416" cy="2267420"/>
+          </a:xfrm>
+          <a:prstGeom prst="rect">
+            <a:avLst/>
+          </a:prstGeom>
+          <a:noFill/>
+          <a:ln>
+            <a:noFill/>
+          </a:ln>
+          <a:effectLst/>
+          <a:extLst>
+            <a:ext uri="{909E8E84-426E-40DD-AFC4-6F175D3DCCD1}">
+              <a14:hiddenFill xmlns:a14="http://schemas.microsoft.com/office/drawing/2010/main">
+                <a:solidFill>
+                  <a:schemeClr val="accent1"/>
+                </a:solidFill>
+              </a14:hiddenFill>
+            </a:ext>
+            <a:ext uri="{91240B29-F687-4F45-9708-019B960494DF}">
+              <a14:hiddenLine xmlns:a14="http://schemas.microsoft.com/office/drawing/2010/main" w="9525">
+                <a:solidFill>
+                  <a:schemeClr val="tx1"/>
+                </a:solidFill>
+                <a:miter lim="800000"/>
+                <a:headEnd/>
+                <a:tailEnd/>
+              </a14:hiddenLine>
+            </a:ext>
+            <a:ext uri="{AF507438-7753-43E0-B8FC-AC1667EBCBE1}">
+              <a14:hiddenEffects xmlns:a14="http://schemas.microsoft.com/office/drawing/2010/main">
+                <a:effectLst>
+                  <a:outerShdw dist="35921" dir="2700000" algn="ctr" rotWithShape="0">
+                    <a:schemeClr val="bg2"/>
+                  </a:outerShdw>
+                </a:effectLst>
+              </a14:hiddenEffects>
+            </a:ext>
+          </a:extLst>
+        </p:spPr>
+      </p:pic>
+      <p:sp>
+        <p:nvSpPr>
+          <p:cNvPr id="3" name="TextBox 2"/>
+          <p:cNvSpPr txBox="1"/>
+          <p:nvPr/>
+        </p:nvSpPr>
+        <p:spPr>
+          <a:xfrm>
+            <a:off x="6222103" y="3854289"/>
+            <a:ext cx="824265" cy="369332"/>
+          </a:xfrm>
+          <a:prstGeom prst="rect">
+            <a:avLst/>
+          </a:prstGeom>
+          <a:noFill/>
+        </p:spPr>
+        <p:txBody>
+          <a:bodyPr wrap="none" rtlCol="0">
+            <a:spAutoFit/>
+          </a:bodyPr>
+          <a:lstStyle/>
+          <a:p>
+            <a:r>
+              <a:rPr lang="en-US" altLang="ko-KR" dirty="0"/>
+              <a:t>YOLO</a:t>
+            </a:r>
+            <a:endParaRPr lang="ko-KR" altLang="en-US" dirty="0"/>
+          </a:p>
+        </p:txBody>
+      </p:sp>
+    </p:spTree>
+    <p:extLst>
+      <p:ext uri="{BB962C8B-B14F-4D97-AF65-F5344CB8AC3E}">
+        <p14:creationId xmlns:p14="http://schemas.microsoft.com/office/powerpoint/2010/main" val="3801881480"/>
+      </p:ext>
+    </p:extLst>
+  </p:cSld>
+  <p:clrMapOvr>
+    <a:masterClrMapping/>
+  </p:clrMapOvr>
+</p:sld>
+</file>
+
+<file path=ppt/slides/slide6.xml><?xml version="1.0" encoding="utf-8"?>
+<p:sld xmlns:a="http://schemas.openxmlformats.org/drawingml/2006/main" xmlns:r="http://schemas.openxmlformats.org/officeDocument/2006/relationships" xmlns:p="http://schemas.openxmlformats.org/presentationml/2006/main">
+  <p:cSld>
+    <p:spTree>
+      <p:nvGrpSpPr>
+        <p:cNvPr id="1" name=""/>
+        <p:cNvGrpSpPr/>
+        <p:nvPr/>
+      </p:nvGrpSpPr>
+      <p:grpSpPr>
+        <a:xfrm>
+          <a:off x="0" y="0"/>
+          <a:ext cx="0" cy="0"/>
+          <a:chOff x="0" y="0"/>
+          <a:chExt cx="0" cy="0"/>
+        </a:xfrm>
+      </p:grpSpPr>
+      <p:grpSp>
+        <p:nvGrpSpPr>
+          <p:cNvPr id="4" name="Group 73"/>
+          <p:cNvGrpSpPr/>
+          <p:nvPr/>
+        </p:nvGrpSpPr>
+        <p:grpSpPr>
+          <a:xfrm>
+            <a:off x="4324351" y="775892"/>
+            <a:ext cx="3556169" cy="457200"/>
+            <a:chOff x="3429000" y="526256"/>
+            <a:chExt cx="3293102" cy="457200"/>
+          </a:xfrm>
+        </p:grpSpPr>
+        <p:pic>
+          <p:nvPicPr>
+            <p:cNvPr id="5" name="Picture 44" descr="03_Braket_Single.png"/>
+            <p:cNvPicPr>
+              <a:picLocks noChangeAspect="1"/>
+            </p:cNvPicPr>
+            <p:nvPr/>
+          </p:nvPicPr>
+          <p:blipFill>
+            <a:blip r:embed="rId2" cstate="print"/>
+            <a:stretch>
+              <a:fillRect/>
+            </a:stretch>
+          </p:blipFill>
+          <p:spPr>
+            <a:xfrm>
+              <a:off x="3429000" y="526256"/>
+              <a:ext cx="60532" cy="457200"/>
+            </a:xfrm>
+            <a:prstGeom prst="rect">
+              <a:avLst/>
+            </a:prstGeom>
+          </p:spPr>
+        </p:pic>
+        <p:pic>
+          <p:nvPicPr>
+            <p:cNvPr id="6" name="Picture 45" descr="03_Braket_Single.png"/>
+            <p:cNvPicPr>
+              <a:picLocks noChangeAspect="1"/>
+            </p:cNvPicPr>
+            <p:nvPr/>
+          </p:nvPicPr>
+          <p:blipFill>
+            <a:blip r:embed="rId2" cstate="print"/>
+            <a:stretch>
+              <a:fillRect/>
+            </a:stretch>
+          </p:blipFill>
+          <p:spPr>
+            <a:xfrm rot="10800000">
+              <a:off x="6661570" y="526256"/>
+              <a:ext cx="60532" cy="457200"/>
+            </a:xfrm>
+            <a:prstGeom prst="rect">
+              <a:avLst/>
+            </a:prstGeom>
+          </p:spPr>
+        </p:pic>
+      </p:grpSp>
+      <p:sp>
+        <p:nvSpPr>
+          <p:cNvPr id="7" name="Title 1"/>
+          <p:cNvSpPr txBox="1">
+            <a:spLocks/>
+          </p:cNvSpPr>
+          <p:nvPr/>
+        </p:nvSpPr>
+        <p:spPr>
+          <a:xfrm>
+            <a:off x="2214561" y="624682"/>
+            <a:ext cx="7772400" cy="645319"/>
+          </a:xfrm>
+          <a:prstGeom prst="rect">
+            <a:avLst/>
+          </a:prstGeom>
+        </p:spPr>
+        <p:txBody>
+          <a:bodyPr vert="horz" lIns="91440" tIns="45720" rIns="91440" bIns="45720" rtlCol="0" anchor="ctr">
+            <a:normAutofit/>
+          </a:bodyPr>
+          <a:lstStyle>
+            <a:lvl1pPr algn="l" defTabSz="914400" rtl="0" eaLnBrk="1" latinLnBrk="1" hangingPunct="1">
+              <a:lnSpc>
+                <a:spcPct val="90000"/>
+              </a:lnSpc>
+              <a:spcBef>
+                <a:spcPct val="0"/>
+              </a:spcBef>
+              <a:buNone/>
+              <a:defRPr sz="4400" kern="1200">
+                <a:solidFill>
+                  <a:schemeClr val="tx1"/>
+                </a:solidFill>
+                <a:latin typeface="+mj-lt"/>
+                <a:ea typeface="+mj-ea"/>
+                <a:cs typeface="+mj-cs"/>
+              </a:defRPr>
+            </a:lvl1pPr>
+          </a:lstStyle>
+          <a:p>
+            <a:pPr algn="ctr"/>
+            <a:r>
+              <a:rPr lang="en-US" altLang="ko-KR" sz="2200" b="1" dirty="0">
+                <a:solidFill>
+                  <a:srgbClr val="EE8E8E"/>
+                </a:solidFill>
+                <a:latin typeface="+mj-ea"/>
+              </a:rPr>
+              <a:t>3. </a:t>
+            </a:r>
+            <a:r>
+              <a:rPr lang="ko-KR" altLang="en-US" sz="2200" b="1" dirty="0">
+                <a:solidFill>
+                  <a:srgbClr val="EE8E8E"/>
+                </a:solidFill>
+                <a:latin typeface="+mj-ea"/>
+              </a:rPr>
+              <a:t>제품 강점</a:t>
+            </a:r>
+            <a:endParaRPr lang="en-US" sz="2200" b="1" dirty="0">
+              <a:solidFill>
+                <a:srgbClr val="EE8E8E"/>
+              </a:solidFill>
+              <a:latin typeface="+mj-ea"/>
+            </a:endParaRPr>
+          </a:p>
+        </p:txBody>
+      </p:sp>
+      <p:cxnSp>
+        <p:nvCxnSpPr>
+          <p:cNvPr id="8" name="Straight Connector 41"/>
+          <p:cNvCxnSpPr/>
+          <p:nvPr/>
+        </p:nvCxnSpPr>
+        <p:spPr>
+          <a:xfrm>
+            <a:off x="942975" y="1466848"/>
+            <a:ext cx="10239375" cy="0"/>
+          </a:xfrm>
+          <a:prstGeom prst="line">
+            <a:avLst/>
+          </a:prstGeom>
+          <a:ln w="3175">
+            <a:solidFill>
+              <a:schemeClr val="bg1">
+                <a:lumMod val="65000"/>
+              </a:schemeClr>
+            </a:solidFill>
+          </a:ln>
+        </p:spPr>
+        <p:style>
+          <a:lnRef idx="1">
+            <a:schemeClr val="accent1"/>
+          </a:lnRef>
+          <a:fillRef idx="0">
+            <a:schemeClr val="accent1"/>
+          </a:fillRef>
+          <a:effectRef idx="0">
+            <a:schemeClr val="accent1"/>
+          </a:effectRef>
+          <a:fontRef idx="minor">
+            <a:schemeClr val="tx1"/>
+          </a:fontRef>
+        </p:style>
+      </p:cxnSp>
+      <p:sp>
+        <p:nvSpPr>
+          <p:cNvPr id="9" name="TextBox 8"/>
+          <p:cNvSpPr txBox="1"/>
+          <p:nvPr/>
+        </p:nvSpPr>
+        <p:spPr>
+          <a:xfrm>
+            <a:off x="1071418" y="1745673"/>
+            <a:ext cx="10224655" cy="4031873"/>
+          </a:xfrm>
+          <a:prstGeom prst="rect">
+            <a:avLst/>
+          </a:prstGeom>
+          <a:noFill/>
+        </p:spPr>
+        <p:txBody>
           <a:bodyPr wrap="square" rtlCol="0">
             <a:spAutoFit/>
           </a:bodyPr>
@@ -5560,6 +6369,24 @@
               </a:rPr>
               <a:t> 확보</a:t>
             </a:r>
+            <a:r>
+              <a:rPr lang="en-US" altLang="ko-KR" sz="1600" dirty="0">
+                <a:latin typeface="맑은 고딕" panose="020B0503020000020004" pitchFamily="50" charset="-127"/>
+                <a:ea typeface="맑은 고딕" panose="020B0503020000020004" pitchFamily="50" charset="-127"/>
+              </a:rPr>
+              <a:t>, </a:t>
+            </a:r>
+            <a:r>
+              <a:rPr lang="ko-KR" altLang="en-US" sz="1600" dirty="0">
+                <a:latin typeface="맑은 고딕" panose="020B0503020000020004" pitchFamily="50" charset="-127"/>
+                <a:ea typeface="맑은 고딕" panose="020B0503020000020004" pitchFamily="50" charset="-127"/>
+              </a:rPr>
+              <a:t>흉기를 즉시 인식하여 범죄자의 도주 방지 및 체포</a:t>
+            </a:r>
+            <a:endParaRPr lang="en-US" altLang="ko-KR" sz="1600" dirty="0">
+              <a:latin typeface="맑은 고딕" panose="020B0503020000020004" pitchFamily="50" charset="-127"/>
+              <a:ea typeface="맑은 고딕" panose="020B0503020000020004" pitchFamily="50" charset="-127"/>
+            </a:endParaRPr>
           </a:p>
           <a:p>
             <a:endParaRPr lang="ko-KR" altLang="en-US" sz="1600" dirty="0">
@@ -5593,8 +6420,16 @@
               </a:rPr>
               <a:t>에 인공지능 기술을 접목한 서비스</a:t>
             </a:r>
-          </a:p>
-          <a:p>
+            <a:endParaRPr lang="en-US" altLang="ko-KR" sz="1600" dirty="0">
+              <a:latin typeface="맑은 고딕" panose="020B0503020000020004" pitchFamily="50" charset="-127"/>
+              <a:ea typeface="맑은 고딕" panose="020B0503020000020004" pitchFamily="50" charset="-127"/>
+            </a:endParaRPr>
+          </a:p>
+          <a:p>
+            <a:pPr marL="285750" indent="-285750">
+              <a:buFont typeface="Arial" panose="020B0604020202020204" pitchFamily="34" charset="0"/>
+              <a:buChar char="•"/>
+            </a:pPr>
             <a:endParaRPr lang="ko-KR" altLang="en-US" sz="1600" dirty="0">
               <a:latin typeface="맑은 고딕" panose="020B0503020000020004" pitchFamily="50" charset="-127"/>
               <a:ea typeface="맑은 고딕" panose="020B0503020000020004" pitchFamily="50" charset="-127"/>
@@ -5732,7 +6567,7 @@
 </p:sld>
 </file>
 
-<file path=ppt/slides/slide6.xml><?xml version="1.0" encoding="utf-8"?>
+<file path=ppt/slides/slide7.xml><?xml version="1.0" encoding="utf-8"?>
 <p:sld xmlns:a="http://schemas.openxmlformats.org/drawingml/2006/main" xmlns:r="http://schemas.openxmlformats.org/officeDocument/2006/relationships" xmlns:p="http://schemas.openxmlformats.org/presentationml/2006/main">
   <p:cSld>
     <p:spTree>
@@ -6218,7 +7053,7 @@
 </p:sld>
 </file>
 
-<file path=ppt/slides/slide7.xml><?xml version="1.0" encoding="utf-8"?>
+<file path=ppt/slides/slide8.xml><?xml version="1.0" encoding="utf-8"?>
 <p:sld xmlns:a="http://schemas.openxmlformats.org/drawingml/2006/main" xmlns:r="http://schemas.openxmlformats.org/officeDocument/2006/relationships" xmlns:p="http://schemas.openxmlformats.org/presentationml/2006/main">
   <p:cSld>
     <p:spTree>
@@ -6578,22 +7413,15 @@
           <a:p>
             <a:pPr algn="ctr"/>
             <a:r>
-              <a:rPr lang="ko-KR" altLang="en-US" sz="2800" dirty="0">
+              <a:rPr lang="en-US" sz="2800" b="1" dirty="0">
                 <a:solidFill>
-                  <a:srgbClr val="545C68"/>
+                  <a:srgbClr val="AAC0E6"/>
                 </a:solidFill>
-                <a:latin typeface="나눔스퀘어 Bold" panose="020B0600000101010101" pitchFamily="50" charset="-127"/>
-                <a:ea typeface="나눔스퀘어 Bold" panose="020B0600000101010101" pitchFamily="50" charset="-127"/>
-              </a:rPr>
-              <a:t>감사합니다</a:t>
-            </a:r>
-            <a:endParaRPr lang="en-US" sz="2800" b="1" dirty="0">
-              <a:solidFill>
-                <a:srgbClr val="AAC0E6"/>
-              </a:solidFill>
-              <a:latin typeface="나눔스퀘어 Bold" panose="020B0600000101010101" pitchFamily="50" charset="-127"/>
-              <a:ea typeface="나눔스퀘어 Bold" panose="020B0600000101010101" pitchFamily="50" charset="-127"/>
-            </a:endParaRPr>
+                <a:latin typeface="+mn-ea"/>
+                <a:ea typeface="+mn-ea"/>
+              </a:rPr>
+              <a:t>Q &amp; A</a:t>
+            </a:r>
           </a:p>
         </p:txBody>
       </p:sp>

--- a/Docs/제안서_EDUM.pptx
+++ b/Docs/제안서_EDUM.pptx
@@ -6153,7 +6153,7 @@
                 </a:solidFill>
                 <a:latin typeface="+mj-ea"/>
               </a:rPr>
-              <a:t>3. </a:t>
+              <a:t>4. </a:t>
             </a:r>
             <a:r>
               <a:rPr lang="ko-KR" altLang="en-US" sz="2200" b="1" dirty="0">
@@ -6734,7 +6734,7 @@
                 <a:latin typeface="+mn-ea"/>
                 <a:ea typeface="+mn-ea"/>
               </a:rPr>
-              <a:t>4. </a:t>
+              <a:t>5. </a:t>
             </a:r>
             <a:r>
               <a:rPr lang="ko-KR" altLang="en-US" sz="2200" b="1" dirty="0">
